--- a/Niveis de mensuracao.pptx
+++ b/Niveis de mensuracao.pptx
@@ -104,13 +104,18 @@
       </a:defRPr>
     </a:lvl9pPr>
   </p:defaultTextStyle>
+  <p:extLst>
+    <p:ext uri="{EFAFB233-063F-42B5-8137-9DF3F51BA10A}">
+      <p15:sldGuideLst xmlns:p15="http://schemas.microsoft.com/office/powerpoint/2012/main"/>
+    </p:ext>
+  </p:extLst>
 </p:presentation>
 </file>
 
 <file path=ppt/revisionInfo.xml><?xml version="1.0" encoding="utf-8"?>
 <p1510:revInfo xmlns:a="http://schemas.openxmlformats.org/drawingml/2006/main" xmlns:r="http://schemas.openxmlformats.org/officeDocument/2006/relationships" xmlns:p1510="http://schemas.microsoft.com/office/powerpoint/2015/10/main">
   <p1510:revLst>
-    <p1510:client id="{5ACA5AEA-86D5-4D12-A3B8-9D8AA130719F}" v="18" dt="2021-09-19T23:54:48.727"/>
+    <p1510:client id="{5ACA5AEA-86D5-4D12-A3B8-9D8AA130719F}" v="19" dt="2021-10-05T20:47:15.228"/>
   </p1510:revLst>
 </p1510:revInfo>
 </file>
@@ -120,7 +125,7 @@
   <pc:docChgLst>
     <pc:chgData name="Fabio Cop" userId="be34dc05c2893b64" providerId="LiveId" clId="{5ACA5AEA-86D5-4D12-A3B8-9D8AA130719F}"/>
     <pc:docChg chg="undo custSel addSld delSld modSld">
-      <pc:chgData name="Fabio Cop" userId="be34dc05c2893b64" providerId="LiveId" clId="{5ACA5AEA-86D5-4D12-A3B8-9D8AA130719F}" dt="2021-09-19T23:54:48.727" v="349" actId="5736"/>
+      <pc:chgData name="Fabio Cop" userId="be34dc05c2893b64" providerId="LiveId" clId="{5ACA5AEA-86D5-4D12-A3B8-9D8AA130719F}" dt="2021-10-05T20:47:15.228" v="351" actId="5736"/>
       <pc:docMkLst>
         <pc:docMk/>
       </pc:docMkLst>
@@ -220,7 +225,7 @@
         </pc:graphicFrameChg>
       </pc:sldChg>
       <pc:sldChg chg="delSp modSp add mod setBg">
-        <pc:chgData name="Fabio Cop" userId="be34dc05c2893b64" providerId="LiveId" clId="{5ACA5AEA-86D5-4D12-A3B8-9D8AA130719F}" dt="2021-09-19T23:54:48.727" v="349" actId="5736"/>
+        <pc:chgData name="Fabio Cop" userId="be34dc05c2893b64" providerId="LiveId" clId="{5ACA5AEA-86D5-4D12-A3B8-9D8AA130719F}" dt="2021-10-05T20:47:15.228" v="351" actId="5736"/>
         <pc:sldMkLst>
           <pc:docMk/>
           <pc:sldMk cId="1487079536" sldId="257"/>
@@ -234,7 +239,7 @@
           </ac:grpSpMkLst>
         </pc:grpChg>
         <pc:graphicFrameChg chg="mod modGraphic">
-          <ac:chgData name="Fabio Cop" userId="be34dc05c2893b64" providerId="LiveId" clId="{5ACA5AEA-86D5-4D12-A3B8-9D8AA130719F}" dt="2021-09-19T23:54:48.727" v="349" actId="5736"/>
+          <ac:chgData name="Fabio Cop" userId="be34dc05c2893b64" providerId="LiveId" clId="{5ACA5AEA-86D5-4D12-A3B8-9D8AA130719F}" dt="2021-10-05T20:47:15.228" v="351" actId="5736"/>
           <ac:graphicFrameMkLst>
             <pc:docMk/>
             <pc:sldMk cId="1487079536" sldId="257"/>
@@ -394,7 +399,7 @@
           <a:p>
             <a:fld id="{FD95E309-417B-4272-B4FC-7E74E8B18630}" type="datetimeFigureOut">
               <a:rPr lang="pt-BR" smtClean="0"/>
-              <a:t>19/09/2021</a:t>
+              <a:t>05/10/2021</a:t>
             </a:fld>
             <a:endParaRPr lang="pt-BR"/>
           </a:p>
@@ -592,7 +597,7 @@
           <a:p>
             <a:fld id="{FD95E309-417B-4272-B4FC-7E74E8B18630}" type="datetimeFigureOut">
               <a:rPr lang="pt-BR" smtClean="0"/>
-              <a:t>19/09/2021</a:t>
+              <a:t>05/10/2021</a:t>
             </a:fld>
             <a:endParaRPr lang="pt-BR"/>
           </a:p>
@@ -800,7 +805,7 @@
           <a:p>
             <a:fld id="{FD95E309-417B-4272-B4FC-7E74E8B18630}" type="datetimeFigureOut">
               <a:rPr lang="pt-BR" smtClean="0"/>
-              <a:t>19/09/2021</a:t>
+              <a:t>05/10/2021</a:t>
             </a:fld>
             <a:endParaRPr lang="pt-BR"/>
           </a:p>
@@ -998,7 +1003,7 @@
           <a:p>
             <a:fld id="{FD95E309-417B-4272-B4FC-7E74E8B18630}" type="datetimeFigureOut">
               <a:rPr lang="pt-BR" smtClean="0"/>
-              <a:t>19/09/2021</a:t>
+              <a:t>05/10/2021</a:t>
             </a:fld>
             <a:endParaRPr lang="pt-BR"/>
           </a:p>
@@ -1273,7 +1278,7 @@
           <a:p>
             <a:fld id="{FD95E309-417B-4272-B4FC-7E74E8B18630}" type="datetimeFigureOut">
               <a:rPr lang="pt-BR" smtClean="0"/>
-              <a:t>19/09/2021</a:t>
+              <a:t>05/10/2021</a:t>
             </a:fld>
             <a:endParaRPr lang="pt-BR"/>
           </a:p>
@@ -1538,7 +1543,7 @@
           <a:p>
             <a:fld id="{FD95E309-417B-4272-B4FC-7E74E8B18630}" type="datetimeFigureOut">
               <a:rPr lang="pt-BR" smtClean="0"/>
-              <a:t>19/09/2021</a:t>
+              <a:t>05/10/2021</a:t>
             </a:fld>
             <a:endParaRPr lang="pt-BR"/>
           </a:p>
@@ -1950,7 +1955,7 @@
           <a:p>
             <a:fld id="{FD95E309-417B-4272-B4FC-7E74E8B18630}" type="datetimeFigureOut">
               <a:rPr lang="pt-BR" smtClean="0"/>
-              <a:t>19/09/2021</a:t>
+              <a:t>05/10/2021</a:t>
             </a:fld>
             <a:endParaRPr lang="pt-BR"/>
           </a:p>
@@ -2091,7 +2096,7 @@
           <a:p>
             <a:fld id="{FD95E309-417B-4272-B4FC-7E74E8B18630}" type="datetimeFigureOut">
               <a:rPr lang="pt-BR" smtClean="0"/>
-              <a:t>19/09/2021</a:t>
+              <a:t>05/10/2021</a:t>
             </a:fld>
             <a:endParaRPr lang="pt-BR"/>
           </a:p>
@@ -2204,7 +2209,7 @@
           <a:p>
             <a:fld id="{FD95E309-417B-4272-B4FC-7E74E8B18630}" type="datetimeFigureOut">
               <a:rPr lang="pt-BR" smtClean="0"/>
-              <a:t>19/09/2021</a:t>
+              <a:t>05/10/2021</a:t>
             </a:fld>
             <a:endParaRPr lang="pt-BR"/>
           </a:p>
@@ -2515,7 +2520,7 @@
           <a:p>
             <a:fld id="{FD95E309-417B-4272-B4FC-7E74E8B18630}" type="datetimeFigureOut">
               <a:rPr lang="pt-BR" smtClean="0"/>
-              <a:t>19/09/2021</a:t>
+              <a:t>05/10/2021</a:t>
             </a:fld>
             <a:endParaRPr lang="pt-BR"/>
           </a:p>
@@ -2803,7 +2808,7 @@
           <a:p>
             <a:fld id="{FD95E309-417B-4272-B4FC-7E74E8B18630}" type="datetimeFigureOut">
               <a:rPr lang="pt-BR" smtClean="0"/>
-              <a:t>19/09/2021</a:t>
+              <a:t>05/10/2021</a:t>
             </a:fld>
             <a:endParaRPr lang="pt-BR"/>
           </a:p>
@@ -3044,7 +3049,7 @@
           <a:p>
             <a:fld id="{FD95E309-417B-4272-B4FC-7E74E8B18630}" type="datetimeFigureOut">
               <a:rPr lang="pt-BR" smtClean="0"/>
-              <a:t>19/09/2021</a:t>
+              <a:t>05/10/2021</a:t>
             </a:fld>
             <a:endParaRPr lang="pt-BR"/>
           </a:p>
@@ -3476,7 +3481,7 @@
           <p:nvPr>
             <p:extLst>
               <p:ext uri="{D42A27DB-BD31-4B8C-83A1-F6EECF244321}">
-                <p14:modId xmlns:p14="http://schemas.microsoft.com/office/powerpoint/2010/main" val="3117338182"/>
+                <p14:modId xmlns:p14="http://schemas.microsoft.com/office/powerpoint/2010/main" val="4057664466"/>
               </p:ext>
             </p:extLst>
           </p:nvPr>
@@ -3839,7 +3844,7 @@
                             <a:schemeClr val="bg1"/>
                           </a:solidFill>
                         </a:rPr>
-                        <a:t>Qualitativa não-ordenada</a:t>
+                        <a:t>Qualitativa ordenada</a:t>
                       </a:r>
                     </a:p>
                   </a:txBody>
